--- a/docs/diagrams/UndoRedoSequenceDiagram.pptx
+++ b/docs/diagrams/UndoRedoSequenceDiagram.pptx
@@ -126,10 +126,6 @@
 </p:presentation>
 </file>
 
-<file path=ppt/revisionInfo.xml><?xml version="1.0" encoding="utf-8"?>
-<p1510:revInfo xmlns:a="http://schemas.openxmlformats.org/drawingml/2006/main" xmlns:r="http://schemas.openxmlformats.org/officeDocument/2006/relationships" xmlns:p1510="http://schemas.microsoft.com/office/powerpoint/2015/10/main"/>
-</file>
-
 <file path=ppt/notesMasters/notesMaster1.xml><?xml version="1.0" encoding="utf-8"?>
 <p:notesMaster xmlns:a="http://schemas.openxmlformats.org/drawingml/2006/main" xmlns:r="http://schemas.openxmlformats.org/officeDocument/2006/relationships" xmlns:p="http://schemas.openxmlformats.org/presentationml/2006/main">
   <p:cSld>
@@ -212,7 +208,7 @@
           <a:p>
             <a:fld id="{F5CC4B3F-88C1-4FFA-B1B6-F41C21DC6924}" type="datetimeFigureOut">
               <a:rPr lang="en-US" smtClean="0"/>
-              <a:t>7/6/2018</a:t>
+              <a:t>4/14/19</a:t>
             </a:fld>
             <a:endParaRPr lang="en-US"/>
           </a:p>
@@ -658,7 +654,7 @@
           <a:p>
             <a:fld id="{78C97017-6FC3-485B-9764-EAC9E56C1D49}" type="datetimeFigureOut">
               <a:rPr lang="en-US" smtClean="0"/>
-              <a:t>7/6/2018</a:t>
+              <a:t>4/14/19</a:t>
             </a:fld>
             <a:endParaRPr lang="en-US"/>
           </a:p>
@@ -826,7 +822,7 @@
           <a:p>
             <a:fld id="{78C97017-6FC3-485B-9764-EAC9E56C1D49}" type="datetimeFigureOut">
               <a:rPr lang="en-US" smtClean="0"/>
-              <a:t>7/6/2018</a:t>
+              <a:t>4/14/19</a:t>
             </a:fld>
             <a:endParaRPr lang="en-US"/>
           </a:p>
@@ -1004,7 +1000,7 @@
           <a:p>
             <a:fld id="{78C97017-6FC3-485B-9764-EAC9E56C1D49}" type="datetimeFigureOut">
               <a:rPr lang="en-US" smtClean="0"/>
-              <a:t>7/6/2018</a:t>
+              <a:t>4/14/19</a:t>
             </a:fld>
             <a:endParaRPr lang="en-US"/>
           </a:p>
@@ -1172,7 +1168,7 @@
           <a:p>
             <a:fld id="{78C97017-6FC3-485B-9764-EAC9E56C1D49}" type="datetimeFigureOut">
               <a:rPr lang="en-US" smtClean="0"/>
-              <a:t>7/6/2018</a:t>
+              <a:t>4/14/19</a:t>
             </a:fld>
             <a:endParaRPr lang="en-US"/>
           </a:p>
@@ -1417,7 +1413,7 @@
           <a:p>
             <a:fld id="{78C97017-6FC3-485B-9764-EAC9E56C1D49}" type="datetimeFigureOut">
               <a:rPr lang="en-US" smtClean="0"/>
-              <a:t>7/6/2018</a:t>
+              <a:t>4/14/19</a:t>
             </a:fld>
             <a:endParaRPr lang="en-US"/>
           </a:p>
@@ -1702,7 +1698,7 @@
           <a:p>
             <a:fld id="{78C97017-6FC3-485B-9764-EAC9E56C1D49}" type="datetimeFigureOut">
               <a:rPr lang="en-US" smtClean="0"/>
-              <a:t>7/6/2018</a:t>
+              <a:t>4/14/19</a:t>
             </a:fld>
             <a:endParaRPr lang="en-US"/>
           </a:p>
@@ -2121,7 +2117,7 @@
           <a:p>
             <a:fld id="{78C97017-6FC3-485B-9764-EAC9E56C1D49}" type="datetimeFigureOut">
               <a:rPr lang="en-US" smtClean="0"/>
-              <a:t>7/6/2018</a:t>
+              <a:t>4/14/19</a:t>
             </a:fld>
             <a:endParaRPr lang="en-US"/>
           </a:p>
@@ -2238,7 +2234,7 @@
           <a:p>
             <a:fld id="{78C97017-6FC3-485B-9764-EAC9E56C1D49}" type="datetimeFigureOut">
               <a:rPr lang="en-US" smtClean="0"/>
-              <a:t>7/6/2018</a:t>
+              <a:t>4/14/19</a:t>
             </a:fld>
             <a:endParaRPr lang="en-US"/>
           </a:p>
@@ -2333,7 +2329,7 @@
           <a:p>
             <a:fld id="{78C97017-6FC3-485B-9764-EAC9E56C1D49}" type="datetimeFigureOut">
               <a:rPr lang="en-US" smtClean="0"/>
-              <a:t>7/6/2018</a:t>
+              <a:t>4/14/19</a:t>
             </a:fld>
             <a:endParaRPr lang="en-US"/>
           </a:p>
@@ -2608,7 +2604,7 @@
           <a:p>
             <a:fld id="{78C97017-6FC3-485B-9764-EAC9E56C1D49}" type="datetimeFigureOut">
               <a:rPr lang="en-US" smtClean="0"/>
-              <a:t>7/6/2018</a:t>
+              <a:t>4/14/19</a:t>
             </a:fld>
             <a:endParaRPr lang="en-US"/>
           </a:p>
@@ -2860,7 +2856,7 @@
           <a:p>
             <a:fld id="{78C97017-6FC3-485B-9764-EAC9E56C1D49}" type="datetimeFigureOut">
               <a:rPr lang="en-US" smtClean="0"/>
-              <a:t>7/6/2018</a:t>
+              <a:t>4/14/19</a:t>
             </a:fld>
             <a:endParaRPr lang="en-US"/>
           </a:p>
@@ -3071,7 +3067,7 @@
           <a:p>
             <a:fld id="{78C97017-6FC3-485B-9764-EAC9E56C1D49}" type="datetimeFigureOut">
               <a:rPr lang="en-US" smtClean="0"/>
-              <a:t>7/6/2018</a:t>
+              <a:t>4/14/19</a:t>
             </a:fld>
             <a:endParaRPr lang="en-US"/>
           </a:p>
@@ -3454,8 +3450,8 @@
         </p:nvSpPr>
         <p:spPr>
           <a:xfrm>
-            <a:off x="6459374" y="118895"/>
-            <a:ext cx="3903825" cy="4400926"/>
+            <a:off x="6458466" y="161737"/>
+            <a:ext cx="3735231" cy="4343400"/>
           </a:xfrm>
           <a:prstGeom prst="roundRect">
             <a:avLst>
@@ -3729,8 +3725,8 @@
         </p:nvSpPr>
         <p:spPr>
           <a:xfrm>
-            <a:off x="3437188" y="423022"/>
-            <a:ext cx="1219200" cy="467684"/>
+            <a:off x="3352800" y="423022"/>
+            <a:ext cx="1363403" cy="467684"/>
           </a:xfrm>
           <a:prstGeom prst="rect">
             <a:avLst/>
@@ -3765,23 +3761,20 @@
           <a:p>
             <a:pPr algn="ctr"/>
             <a:r>
-              <a:rPr lang="en-US" sz="1600" dirty="0">
+              <a:rPr lang="en-US" sz="1400" dirty="0">
                 <a:solidFill>
                   <a:schemeClr val="bg1"/>
                 </a:solidFill>
               </a:rPr>
-              <a:t>:Address</a:t>
-            </a:r>
-          </a:p>
-          <a:p>
-            <a:pPr algn="ctr"/>
-            <a:r>
-              <a:rPr lang="en-US" sz="1600" dirty="0" err="1">
+              <a:t>:</a:t>
+            </a:r>
+            <a:r>
+              <a:rPr lang="en-US" sz="1400" dirty="0" err="1">
                 <a:solidFill>
                   <a:schemeClr val="bg1"/>
                 </a:solidFill>
               </a:rPr>
-              <a:t>BookParser</a:t>
+              <a:t>CardCollectionParser</a:t>
             </a:r>
             <a:endParaRPr lang="en-SG" sz="1600" dirty="0">
               <a:solidFill>
@@ -4286,8 +4279,8 @@
         </p:nvSpPr>
         <p:spPr>
           <a:xfrm>
-            <a:off x="5651548" y="2748246"/>
-            <a:ext cx="1298078" cy="184666"/>
+            <a:off x="5651547" y="2748247"/>
+            <a:ext cx="1281403" cy="161583"/>
           </a:xfrm>
           <a:prstGeom prst="rect">
             <a:avLst/>
@@ -4312,7 +4305,7 @@
           </a:lstStyle>
           <a:p>
             <a:r>
-              <a:rPr lang="en-US" sz="1200" dirty="0" err="1">
+              <a:rPr lang="en-US" sz="1050" dirty="0" err="1">
                 <a:solidFill>
                   <a:schemeClr val="accent4">
                     <a:lumMod val="75000"/>
@@ -4322,22 +4315,22 @@
               <a:t>undo</a:t>
             </a:r>
             <a:r>
-              <a:rPr lang="en-US" sz="1200" dirty="0" err="1">
+              <a:rPr lang="en-US" sz="1050" dirty="0" err="1">
                 <a:solidFill>
                   <a:srgbClr val="7030A0"/>
                 </a:solidFill>
               </a:rPr>
-              <a:t>AddressBook</a:t>
-            </a:r>
-            <a:r>
-              <a:rPr lang="en-US" sz="1200" dirty="0">
+              <a:t>CardCollection</a:t>
+            </a:r>
+            <a:r>
+              <a:rPr lang="en-US" sz="1050" dirty="0">
                 <a:solidFill>
                   <a:srgbClr val="7030A0"/>
                 </a:solidFill>
               </a:rPr>
               <a:t>()</a:t>
             </a:r>
-            <a:endParaRPr lang="en-US" sz="1200" dirty="0"/>
+            <a:endParaRPr lang="en-US" sz="1050" dirty="0"/>
           </a:p>
         </p:txBody>
       </p:sp>
@@ -4473,8 +4466,8 @@
         </p:nvSpPr>
         <p:spPr>
           <a:xfrm>
-            <a:off x="7497155" y="2568606"/>
-            <a:ext cx="2181777" cy="335427"/>
+            <a:off x="7503773" y="2568606"/>
+            <a:ext cx="2097427" cy="335427"/>
           </a:xfrm>
           <a:prstGeom prst="rect">
             <a:avLst/>
@@ -4509,7 +4502,7 @@
           <a:p>
             <a:pPr algn="ctr"/>
             <a:r>
-              <a:rPr lang="en-US" sz="1600" dirty="0">
+              <a:rPr lang="en-US" sz="1400" dirty="0">
                 <a:solidFill>
                   <a:schemeClr val="bg1"/>
                 </a:solidFill>
@@ -4517,14 +4510,14 @@
               <a:t>:</a:t>
             </a:r>
             <a:r>
-              <a:rPr lang="en-US" sz="1600" dirty="0" err="1">
+              <a:rPr lang="en-US" sz="1400" dirty="0" err="1">
                 <a:solidFill>
                   <a:schemeClr val="bg1"/>
                 </a:solidFill>
               </a:rPr>
-              <a:t>VersionedAddressBook</a:t>
-            </a:r>
-            <a:endParaRPr lang="en-SG" sz="1600" dirty="0">
+              <a:t>VersionedCardCollection</a:t>
+            </a:r>
+            <a:endParaRPr lang="en-SG" sz="1400" dirty="0">
               <a:solidFill>
                 <a:schemeClr val="bg1"/>
               </a:solidFill>
@@ -4668,7 +4661,7 @@
                   <a:schemeClr val="bg1"/>
                 </a:solidFill>
               </a:rPr>
-              <a:t>: Model</a:t>
+              <a:t>:Model</a:t>
             </a:r>
             <a:endParaRPr lang="en-SG" sz="1600" dirty="0">
               <a:solidFill>
@@ -4879,7 +4872,7 @@
           <a:p>
             <a:pPr algn="ctr"/>
             <a:r>
-              <a:rPr lang="en-US" sz="1600" dirty="0">
+              <a:rPr lang="en-US" sz="1400" dirty="0">
                 <a:solidFill>
                   <a:schemeClr val="bg1"/>
                 </a:solidFill>
@@ -4887,21 +4880,21 @@
               <a:t>u:Undo</a:t>
             </a:r>
             <a:br>
-              <a:rPr lang="en-US" sz="1600" dirty="0">
+              <a:rPr lang="en-US" sz="1400" dirty="0">
                 <a:solidFill>
                   <a:schemeClr val="bg1"/>
                 </a:solidFill>
               </a:rPr>
             </a:br>
             <a:r>
-              <a:rPr lang="en-US" sz="1600" dirty="0">
+              <a:rPr lang="en-US" sz="1400" dirty="0">
                 <a:solidFill>
                   <a:schemeClr val="bg1"/>
                 </a:solidFill>
               </a:rPr>
               <a:t>Command</a:t>
             </a:r>
-            <a:endParaRPr lang="en-SG" sz="1600" dirty="0">
+            <a:endParaRPr lang="en-SG" sz="1400" dirty="0">
               <a:solidFill>
                 <a:schemeClr val="bg1"/>
               </a:solidFill>
@@ -5057,8 +5050,8 @@
         </p:nvSpPr>
         <p:spPr>
           <a:xfrm>
-            <a:off x="8769530" y="3267337"/>
-            <a:ext cx="2120786" cy="184666"/>
+            <a:off x="8624298" y="3267337"/>
+            <a:ext cx="1434102" cy="369332"/>
           </a:xfrm>
           <a:prstGeom prst="rect">
             <a:avLst/>
@@ -5104,7 +5097,22 @@
                   <a:srgbClr val="7030A0"/>
                 </a:solidFill>
               </a:rPr>
-              <a:t>ReadOnlyAddressBook</a:t>
+              <a:t>ReadOnly</a:t>
+            </a:r>
+            <a:endParaRPr lang="en-US" sz="1200" dirty="0">
+              <a:solidFill>
+                <a:srgbClr val="7030A0"/>
+              </a:solidFill>
+            </a:endParaRPr>
+          </a:p>
+          <a:p>
+            <a:r>
+              <a:rPr lang="en-US" sz="1200" dirty="0" err="1">
+                <a:solidFill>
+                  <a:srgbClr val="7030A0"/>
+                </a:solidFill>
+              </a:rPr>
+              <a:t>CardCollection</a:t>
             </a:r>
             <a:r>
               <a:rPr lang="en-US" sz="1200" dirty="0">

--- a/docs/diagrams/UndoRedoSequenceDiagram.pptx
+++ b/docs/diagrams/UndoRedoSequenceDiagram.pptx
@@ -5398,6 +5398,126 @@
           </a:fontRef>
         </p:style>
       </p:cxnSp>
+      <p:sp>
+        <p:nvSpPr>
+          <p:cNvPr id="43" name="TextBox 42">
+            <a:extLst>
+              <a:ext uri="{FF2B5EF4-FFF2-40B4-BE49-F238E27FC236}">
+                <a16:creationId xmlns:a16="http://schemas.microsoft.com/office/drawing/2014/main" id="{E83C685B-7D09-AD49-9A4E-8B19617CA142}"/>
+              </a:ext>
+            </a:extLst>
+          </p:cNvPr>
+          <p:cNvSpPr txBox="1"/>
+          <p:nvPr/>
+        </p:nvSpPr>
+        <p:spPr>
+          <a:xfrm>
+            <a:off x="7315200" y="3339763"/>
+            <a:ext cx="999947" cy="184666"/>
+          </a:xfrm>
+          <a:prstGeom prst="rect">
+            <a:avLst/>
+          </a:prstGeom>
+          <a:noFill/>
+          <a:ln>
+            <a:noFill/>
+          </a:ln>
+        </p:spPr>
+        <p:txBody>
+          <a:bodyPr wrap="square" lIns="0" tIns="0" rIns="0" bIns="0" rtlCol="0">
+            <a:spAutoFit/>
+          </a:bodyPr>
+          <a:lstStyle>
+            <a:defPPr>
+              <a:defRPr lang="en-US"/>
+            </a:defPPr>
+            <a:lvl1pPr algn="r">
+              <a:defRPr sz="1400">
+                <a:solidFill>
+                  <a:srgbClr val="0070C0"/>
+                </a:solidFill>
+              </a:defRPr>
+            </a:lvl1pPr>
+          </a:lstStyle>
+          <a:p>
+            <a:r>
+              <a:rPr lang="en-US" sz="1200" dirty="0" err="1">
+                <a:solidFill>
+                  <a:srgbClr val="7030A0"/>
+                </a:solidFill>
+              </a:rPr>
+              <a:t>undidCommand</a:t>
+            </a:r>
+            <a:endParaRPr lang="en-US" sz="1200" dirty="0">
+              <a:solidFill>
+                <a:schemeClr val="accent4">
+                  <a:lumMod val="75000"/>
+                </a:schemeClr>
+              </a:solidFill>
+            </a:endParaRPr>
+          </a:p>
+        </p:txBody>
+      </p:sp>
+      <p:sp>
+        <p:nvSpPr>
+          <p:cNvPr id="44" name="TextBox 43">
+            <a:extLst>
+              <a:ext uri="{FF2B5EF4-FFF2-40B4-BE49-F238E27FC236}">
+                <a16:creationId xmlns:a16="http://schemas.microsoft.com/office/drawing/2014/main" id="{73BB4A3B-352F-4840-B584-848159659071}"/>
+              </a:ext>
+            </a:extLst>
+          </p:cNvPr>
+          <p:cNvSpPr txBox="1"/>
+          <p:nvPr/>
+        </p:nvSpPr>
+        <p:spPr>
+          <a:xfrm>
+            <a:off x="5817012" y="3489069"/>
+            <a:ext cx="999947" cy="184666"/>
+          </a:xfrm>
+          <a:prstGeom prst="rect">
+            <a:avLst/>
+          </a:prstGeom>
+          <a:noFill/>
+          <a:ln>
+            <a:noFill/>
+          </a:ln>
+        </p:spPr>
+        <p:txBody>
+          <a:bodyPr wrap="square" lIns="0" tIns="0" rIns="0" bIns="0" rtlCol="0">
+            <a:spAutoFit/>
+          </a:bodyPr>
+          <a:lstStyle>
+            <a:defPPr>
+              <a:defRPr lang="en-US"/>
+            </a:defPPr>
+            <a:lvl1pPr algn="r">
+              <a:defRPr sz="1400">
+                <a:solidFill>
+                  <a:srgbClr val="0070C0"/>
+                </a:solidFill>
+              </a:defRPr>
+            </a:lvl1pPr>
+          </a:lstStyle>
+          <a:p>
+            <a:r>
+              <a:rPr lang="en-US" sz="1200" dirty="0" err="1">
+                <a:solidFill>
+                  <a:srgbClr val="7030A0"/>
+                </a:solidFill>
+              </a:rPr>
+              <a:t>undidCommand</a:t>
+            </a:r>
+            <a:endParaRPr lang="en-US" sz="1200" dirty="0">
+              <a:solidFill>
+                <a:schemeClr val="accent4">
+                  <a:lumMod val="75000"/>
+                </a:schemeClr>
+              </a:solidFill>
+            </a:endParaRPr>
+          </a:p>
+        </p:txBody>
+      </p:sp>
     </p:spTree>
     <p:extLst>
       <p:ext uri="{BB962C8B-B14F-4D97-AF65-F5344CB8AC3E}">
